--- a/StartUp/bin/Debug/net6.0/Templates/PitchDeckTemplate1.pptx
+++ b/StartUp/bin/Debug/net6.0/Templates/PitchDeckTemplate1.pptx
@@ -12,8 +12,8 @@
     <p:sldId id="261" r:id="rId3"/>
     <p:sldId id="258" r:id="rId4"/>
     <p:sldId id="257" r:id="rId5"/>
-    <p:sldId id="259" r:id="rId6"/>
-    <p:sldId id="260" r:id="rId7"/>
+    <p:sldId id="260" r:id="rId6"/>
+    <p:sldId id="262" r:id="rId7"/>
   </p:sldIdLst>
   <p:sldSz cx="12192000" cy="6858000"/>
   <p:notesSz cx="6858000" cy="9144000"/>
@@ -112,6 +112,11 @@
       </a:defRPr>
     </a:lvl9pPr>
   </p:defaultTextStyle>
+  <p:extLst>
+    <p:ext uri="{EFAFB233-063F-42B5-8137-9DF3F51BA10A}">
+      <p15:sldGuideLst xmlns:p15="http://schemas.microsoft.com/office/powerpoint/2012/main"/>
+    </p:ext>
+  </p:extLst>
 </p:presentation>
 </file>
 
@@ -197,7 +202,7 @@
           <a:p>
             <a:fld id="{0C2ABDAD-24D5-46DF-93E5-4EE8C0D43978}" type="datetimeFigureOut">
               <a:rPr lang="ru-RU" smtClean="0"/>
-              <a:t>19.11.2022</a:t>
+              <a:t>20.11.2022</a:t>
             </a:fld>
             <a:endParaRPr lang="ru-RU"/>
           </a:p>
@@ -261,38 +266,37 @@
           <a:p>
             <a:pPr lvl="0"/>
             <a:r>
-              <a:rPr lang="ru-RU" smtClean="0"/>
+              <a:rPr lang="ru-RU"/>
               <a:t>Образец текста</a:t>
             </a:r>
           </a:p>
           <a:p>
             <a:pPr lvl="1"/>
             <a:r>
-              <a:rPr lang="ru-RU" smtClean="0"/>
+              <a:rPr lang="ru-RU"/>
               <a:t>Второй уровень</a:t>
             </a:r>
           </a:p>
           <a:p>
             <a:pPr lvl="2"/>
             <a:r>
-              <a:rPr lang="ru-RU" smtClean="0"/>
+              <a:rPr lang="ru-RU"/>
               <a:t>Третий уровень</a:t>
             </a:r>
           </a:p>
           <a:p>
             <a:pPr lvl="3"/>
             <a:r>
-              <a:rPr lang="ru-RU" smtClean="0"/>
+              <a:rPr lang="ru-RU"/>
               <a:t>Четвертый уровень</a:t>
             </a:r>
           </a:p>
           <a:p>
             <a:pPr lvl="4"/>
             <a:r>
-              <a:rPr lang="ru-RU" smtClean="0"/>
+              <a:rPr lang="ru-RU"/>
               <a:t>Пятый уровень</a:t>
             </a:r>
-            <a:endParaRPr lang="ru-RU"/>
           </a:p>
         </p:txBody>
       </p:sp>
@@ -591,10 +595,9 @@
           </a:lstStyle>
           <a:p>
             <a:r>
-              <a:rPr lang="ru-RU" smtClean="0"/>
+              <a:rPr lang="ru-RU"/>
               <a:t>Образец заголовка</a:t>
             </a:r>
-            <a:endParaRPr lang="ru-RU"/>
           </a:p>
         </p:txBody>
       </p:sp>
@@ -656,10 +659,9 @@
           </a:lstStyle>
           <a:p>
             <a:r>
-              <a:rPr lang="ru-RU" smtClean="0"/>
+              <a:rPr lang="ru-RU"/>
               <a:t>Образец подзаголовка</a:t>
             </a:r>
-            <a:endParaRPr lang="ru-RU"/>
           </a:p>
         </p:txBody>
       </p:sp>
@@ -680,7 +682,7 @@
           <a:p>
             <a:fld id="{71C9CFF3-BA64-4FD1-A70D-F96599EF2BB3}" type="datetimeFigureOut">
               <a:rPr lang="ru-RU" smtClean="0"/>
-              <a:t>19.11.2022</a:t>
+              <a:t>20.11.2022</a:t>
             </a:fld>
             <a:endParaRPr lang="ru-RU"/>
           </a:p>
@@ -774,10 +776,9 @@
           <a:lstStyle/>
           <a:p>
             <a:r>
-              <a:rPr lang="ru-RU" smtClean="0"/>
+              <a:rPr lang="ru-RU"/>
               <a:t>Образец заголовка</a:t>
             </a:r>
-            <a:endParaRPr lang="ru-RU"/>
           </a:p>
         </p:txBody>
       </p:sp>
@@ -798,38 +799,37 @@
           <a:p>
             <a:pPr lvl="0"/>
             <a:r>
-              <a:rPr lang="ru-RU" smtClean="0"/>
+              <a:rPr lang="ru-RU"/>
               <a:t>Образец текста</a:t>
             </a:r>
           </a:p>
           <a:p>
             <a:pPr lvl="1"/>
             <a:r>
-              <a:rPr lang="ru-RU" smtClean="0"/>
+              <a:rPr lang="ru-RU"/>
               <a:t>Второй уровень</a:t>
             </a:r>
           </a:p>
           <a:p>
             <a:pPr lvl="2"/>
             <a:r>
-              <a:rPr lang="ru-RU" smtClean="0"/>
+              <a:rPr lang="ru-RU"/>
               <a:t>Третий уровень</a:t>
             </a:r>
           </a:p>
           <a:p>
             <a:pPr lvl="3"/>
             <a:r>
-              <a:rPr lang="ru-RU" smtClean="0"/>
+              <a:rPr lang="ru-RU"/>
               <a:t>Четвертый уровень</a:t>
             </a:r>
           </a:p>
           <a:p>
             <a:pPr lvl="4"/>
             <a:r>
-              <a:rPr lang="ru-RU" smtClean="0"/>
+              <a:rPr lang="ru-RU"/>
               <a:t>Пятый уровень</a:t>
             </a:r>
-            <a:endParaRPr lang="ru-RU"/>
           </a:p>
         </p:txBody>
       </p:sp>
@@ -850,7 +850,7 @@
           <a:p>
             <a:fld id="{71C9CFF3-BA64-4FD1-A70D-F96599EF2BB3}" type="datetimeFigureOut">
               <a:rPr lang="ru-RU" smtClean="0"/>
-              <a:t>19.11.2022</a:t>
+              <a:t>20.11.2022</a:t>
             </a:fld>
             <a:endParaRPr lang="ru-RU"/>
           </a:p>
@@ -949,10 +949,9 @@
           <a:lstStyle/>
           <a:p>
             <a:r>
-              <a:rPr lang="ru-RU" smtClean="0"/>
+              <a:rPr lang="ru-RU"/>
               <a:t>Образец заголовка</a:t>
             </a:r>
-            <a:endParaRPr lang="ru-RU"/>
           </a:p>
         </p:txBody>
       </p:sp>
@@ -978,38 +977,37 @@
           <a:p>
             <a:pPr lvl="0"/>
             <a:r>
-              <a:rPr lang="ru-RU" smtClean="0"/>
+              <a:rPr lang="ru-RU"/>
               <a:t>Образец текста</a:t>
             </a:r>
           </a:p>
           <a:p>
             <a:pPr lvl="1"/>
             <a:r>
-              <a:rPr lang="ru-RU" smtClean="0"/>
+              <a:rPr lang="ru-RU"/>
               <a:t>Второй уровень</a:t>
             </a:r>
           </a:p>
           <a:p>
             <a:pPr lvl="2"/>
             <a:r>
-              <a:rPr lang="ru-RU" smtClean="0"/>
+              <a:rPr lang="ru-RU"/>
               <a:t>Третий уровень</a:t>
             </a:r>
           </a:p>
           <a:p>
             <a:pPr lvl="3"/>
             <a:r>
-              <a:rPr lang="ru-RU" smtClean="0"/>
+              <a:rPr lang="ru-RU"/>
               <a:t>Четвертый уровень</a:t>
             </a:r>
           </a:p>
           <a:p>
             <a:pPr lvl="4"/>
             <a:r>
-              <a:rPr lang="ru-RU" smtClean="0"/>
+              <a:rPr lang="ru-RU"/>
               <a:t>Пятый уровень</a:t>
             </a:r>
-            <a:endParaRPr lang="ru-RU"/>
           </a:p>
         </p:txBody>
       </p:sp>
@@ -1030,7 +1028,7 @@
           <a:p>
             <a:fld id="{71C9CFF3-BA64-4FD1-A70D-F96599EF2BB3}" type="datetimeFigureOut">
               <a:rPr lang="ru-RU" smtClean="0"/>
-              <a:t>19.11.2022</a:t>
+              <a:t>20.11.2022</a:t>
             </a:fld>
             <a:endParaRPr lang="ru-RU"/>
           </a:p>
@@ -1124,10 +1122,9 @@
           <a:lstStyle/>
           <a:p>
             <a:r>
-              <a:rPr lang="ru-RU" smtClean="0"/>
+              <a:rPr lang="ru-RU"/>
               <a:t>Образец заголовка</a:t>
             </a:r>
-            <a:endParaRPr lang="ru-RU"/>
           </a:p>
         </p:txBody>
       </p:sp>
@@ -1148,38 +1145,37 @@
           <a:p>
             <a:pPr lvl="0"/>
             <a:r>
-              <a:rPr lang="ru-RU" smtClean="0"/>
+              <a:rPr lang="ru-RU"/>
               <a:t>Образец текста</a:t>
             </a:r>
           </a:p>
           <a:p>
             <a:pPr lvl="1"/>
             <a:r>
-              <a:rPr lang="ru-RU" smtClean="0"/>
+              <a:rPr lang="ru-RU"/>
               <a:t>Второй уровень</a:t>
             </a:r>
           </a:p>
           <a:p>
             <a:pPr lvl="2"/>
             <a:r>
-              <a:rPr lang="ru-RU" smtClean="0"/>
+              <a:rPr lang="ru-RU"/>
               <a:t>Третий уровень</a:t>
             </a:r>
           </a:p>
           <a:p>
             <a:pPr lvl="3"/>
             <a:r>
-              <a:rPr lang="ru-RU" smtClean="0"/>
+              <a:rPr lang="ru-RU"/>
               <a:t>Четвертый уровень</a:t>
             </a:r>
           </a:p>
           <a:p>
             <a:pPr lvl="4"/>
             <a:r>
-              <a:rPr lang="ru-RU" smtClean="0"/>
+              <a:rPr lang="ru-RU"/>
               <a:t>Пятый уровень</a:t>
             </a:r>
-            <a:endParaRPr lang="ru-RU"/>
           </a:p>
         </p:txBody>
       </p:sp>
@@ -1200,7 +1196,7 @@
           <a:p>
             <a:fld id="{71C9CFF3-BA64-4FD1-A70D-F96599EF2BB3}" type="datetimeFigureOut">
               <a:rPr lang="ru-RU" smtClean="0"/>
-              <a:t>19.11.2022</a:t>
+              <a:t>20.11.2022</a:t>
             </a:fld>
             <a:endParaRPr lang="ru-RU"/>
           </a:p>
@@ -1303,10 +1299,9 @@
           </a:lstStyle>
           <a:p>
             <a:r>
-              <a:rPr lang="ru-RU" smtClean="0"/>
+              <a:rPr lang="ru-RU"/>
               <a:t>Образец заголовка</a:t>
             </a:r>
-            <a:endParaRPr lang="ru-RU"/>
           </a:p>
         </p:txBody>
       </p:sp>
@@ -1423,7 +1418,7 @@
           <a:p>
             <a:pPr lvl="0"/>
             <a:r>
-              <a:rPr lang="ru-RU" smtClean="0"/>
+              <a:rPr lang="ru-RU"/>
               <a:t>Образец текста</a:t>
             </a:r>
           </a:p>
@@ -1446,7 +1441,7 @@
           <a:p>
             <a:fld id="{71C9CFF3-BA64-4FD1-A70D-F96599EF2BB3}" type="datetimeFigureOut">
               <a:rPr lang="ru-RU" smtClean="0"/>
-              <a:t>19.11.2022</a:t>
+              <a:t>20.11.2022</a:t>
             </a:fld>
             <a:endParaRPr lang="ru-RU"/>
           </a:p>
@@ -1540,10 +1535,9 @@
           <a:lstStyle/>
           <a:p>
             <a:r>
-              <a:rPr lang="ru-RU" smtClean="0"/>
+              <a:rPr lang="ru-RU"/>
               <a:t>Образец заголовка</a:t>
             </a:r>
-            <a:endParaRPr lang="ru-RU"/>
           </a:p>
         </p:txBody>
       </p:sp>
@@ -1569,38 +1563,37 @@
           <a:p>
             <a:pPr lvl="0"/>
             <a:r>
-              <a:rPr lang="ru-RU" smtClean="0"/>
+              <a:rPr lang="ru-RU"/>
               <a:t>Образец текста</a:t>
             </a:r>
           </a:p>
           <a:p>
             <a:pPr lvl="1"/>
             <a:r>
-              <a:rPr lang="ru-RU" smtClean="0"/>
+              <a:rPr lang="ru-RU"/>
               <a:t>Второй уровень</a:t>
             </a:r>
           </a:p>
           <a:p>
             <a:pPr lvl="2"/>
             <a:r>
-              <a:rPr lang="ru-RU" smtClean="0"/>
+              <a:rPr lang="ru-RU"/>
               <a:t>Третий уровень</a:t>
             </a:r>
           </a:p>
           <a:p>
             <a:pPr lvl="3"/>
             <a:r>
-              <a:rPr lang="ru-RU" smtClean="0"/>
+              <a:rPr lang="ru-RU"/>
               <a:t>Четвертый уровень</a:t>
             </a:r>
           </a:p>
           <a:p>
             <a:pPr lvl="4"/>
             <a:r>
-              <a:rPr lang="ru-RU" smtClean="0"/>
+              <a:rPr lang="ru-RU"/>
               <a:t>Пятый уровень</a:t>
             </a:r>
-            <a:endParaRPr lang="ru-RU"/>
           </a:p>
         </p:txBody>
       </p:sp>
@@ -1626,38 +1619,37 @@
           <a:p>
             <a:pPr lvl="0"/>
             <a:r>
-              <a:rPr lang="ru-RU" smtClean="0"/>
+              <a:rPr lang="ru-RU"/>
               <a:t>Образец текста</a:t>
             </a:r>
           </a:p>
           <a:p>
             <a:pPr lvl="1"/>
             <a:r>
-              <a:rPr lang="ru-RU" smtClean="0"/>
+              <a:rPr lang="ru-RU"/>
               <a:t>Второй уровень</a:t>
             </a:r>
           </a:p>
           <a:p>
             <a:pPr lvl="2"/>
             <a:r>
-              <a:rPr lang="ru-RU" smtClean="0"/>
+              <a:rPr lang="ru-RU"/>
               <a:t>Третий уровень</a:t>
             </a:r>
           </a:p>
           <a:p>
             <a:pPr lvl="3"/>
             <a:r>
-              <a:rPr lang="ru-RU" smtClean="0"/>
+              <a:rPr lang="ru-RU"/>
               <a:t>Четвертый уровень</a:t>
             </a:r>
           </a:p>
           <a:p>
             <a:pPr lvl="4"/>
             <a:r>
-              <a:rPr lang="ru-RU" smtClean="0"/>
+              <a:rPr lang="ru-RU"/>
               <a:t>Пятый уровень</a:t>
             </a:r>
-            <a:endParaRPr lang="ru-RU"/>
           </a:p>
         </p:txBody>
       </p:sp>
@@ -1678,7 +1670,7 @@
           <a:p>
             <a:fld id="{71C9CFF3-BA64-4FD1-A70D-F96599EF2BB3}" type="datetimeFigureOut">
               <a:rPr lang="ru-RU" smtClean="0"/>
-              <a:t>19.11.2022</a:t>
+              <a:t>20.11.2022</a:t>
             </a:fld>
             <a:endParaRPr lang="ru-RU"/>
           </a:p>
@@ -1777,10 +1769,9 @@
           <a:lstStyle/>
           <a:p>
             <a:r>
-              <a:rPr lang="ru-RU" smtClean="0"/>
+              <a:rPr lang="ru-RU"/>
               <a:t>Образец заголовка</a:t>
             </a:r>
-            <a:endParaRPr lang="ru-RU"/>
           </a:p>
         </p:txBody>
       </p:sp>
@@ -1843,7 +1834,7 @@
           <a:p>
             <a:pPr lvl="0"/>
             <a:r>
-              <a:rPr lang="ru-RU" smtClean="0"/>
+              <a:rPr lang="ru-RU"/>
               <a:t>Образец текста</a:t>
             </a:r>
           </a:p>
@@ -1871,38 +1862,37 @@
           <a:p>
             <a:pPr lvl="0"/>
             <a:r>
-              <a:rPr lang="ru-RU" smtClean="0"/>
+              <a:rPr lang="ru-RU"/>
               <a:t>Образец текста</a:t>
             </a:r>
           </a:p>
           <a:p>
             <a:pPr lvl="1"/>
             <a:r>
-              <a:rPr lang="ru-RU" smtClean="0"/>
+              <a:rPr lang="ru-RU"/>
               <a:t>Второй уровень</a:t>
             </a:r>
           </a:p>
           <a:p>
             <a:pPr lvl="2"/>
             <a:r>
-              <a:rPr lang="ru-RU" smtClean="0"/>
+              <a:rPr lang="ru-RU"/>
               <a:t>Третий уровень</a:t>
             </a:r>
           </a:p>
           <a:p>
             <a:pPr lvl="3"/>
             <a:r>
-              <a:rPr lang="ru-RU" smtClean="0"/>
+              <a:rPr lang="ru-RU"/>
               <a:t>Четвертый уровень</a:t>
             </a:r>
           </a:p>
           <a:p>
             <a:pPr lvl="4"/>
             <a:r>
-              <a:rPr lang="ru-RU" smtClean="0"/>
+              <a:rPr lang="ru-RU"/>
               <a:t>Пятый уровень</a:t>
             </a:r>
-            <a:endParaRPr lang="ru-RU"/>
           </a:p>
         </p:txBody>
       </p:sp>
@@ -1965,7 +1955,7 @@
           <a:p>
             <a:pPr lvl="0"/>
             <a:r>
-              <a:rPr lang="ru-RU" smtClean="0"/>
+              <a:rPr lang="ru-RU"/>
               <a:t>Образец текста</a:t>
             </a:r>
           </a:p>
@@ -1993,38 +1983,37 @@
           <a:p>
             <a:pPr lvl="0"/>
             <a:r>
-              <a:rPr lang="ru-RU" smtClean="0"/>
+              <a:rPr lang="ru-RU"/>
               <a:t>Образец текста</a:t>
             </a:r>
           </a:p>
           <a:p>
             <a:pPr lvl="1"/>
             <a:r>
-              <a:rPr lang="ru-RU" smtClean="0"/>
+              <a:rPr lang="ru-RU"/>
               <a:t>Второй уровень</a:t>
             </a:r>
           </a:p>
           <a:p>
             <a:pPr lvl="2"/>
             <a:r>
-              <a:rPr lang="ru-RU" smtClean="0"/>
+              <a:rPr lang="ru-RU"/>
               <a:t>Третий уровень</a:t>
             </a:r>
           </a:p>
           <a:p>
             <a:pPr lvl="3"/>
             <a:r>
-              <a:rPr lang="ru-RU" smtClean="0"/>
+              <a:rPr lang="ru-RU"/>
               <a:t>Четвертый уровень</a:t>
             </a:r>
           </a:p>
           <a:p>
             <a:pPr lvl="4"/>
             <a:r>
-              <a:rPr lang="ru-RU" smtClean="0"/>
+              <a:rPr lang="ru-RU"/>
               <a:t>Пятый уровень</a:t>
             </a:r>
-            <a:endParaRPr lang="ru-RU"/>
           </a:p>
         </p:txBody>
       </p:sp>
@@ -2045,7 +2034,7 @@
           <a:p>
             <a:fld id="{71C9CFF3-BA64-4FD1-A70D-F96599EF2BB3}" type="datetimeFigureOut">
               <a:rPr lang="ru-RU" smtClean="0"/>
-              <a:t>19.11.2022</a:t>
+              <a:t>20.11.2022</a:t>
             </a:fld>
             <a:endParaRPr lang="ru-RU"/>
           </a:p>
@@ -2139,10 +2128,9 @@
           <a:lstStyle/>
           <a:p>
             <a:r>
-              <a:rPr lang="ru-RU" smtClean="0"/>
+              <a:rPr lang="ru-RU"/>
               <a:t>Образец заголовка</a:t>
             </a:r>
-            <a:endParaRPr lang="ru-RU"/>
           </a:p>
         </p:txBody>
       </p:sp>
@@ -2163,7 +2151,7 @@
           <a:p>
             <a:fld id="{71C9CFF3-BA64-4FD1-A70D-F96599EF2BB3}" type="datetimeFigureOut">
               <a:rPr lang="ru-RU" smtClean="0"/>
-              <a:t>19.11.2022</a:t>
+              <a:t>20.11.2022</a:t>
             </a:fld>
             <a:endParaRPr lang="ru-RU"/>
           </a:p>
@@ -2258,7 +2246,7 @@
           <a:p>
             <a:fld id="{71C9CFF3-BA64-4FD1-A70D-F96599EF2BB3}" type="datetimeFigureOut">
               <a:rPr lang="ru-RU" smtClean="0"/>
-              <a:t>19.11.2022</a:t>
+              <a:t>20.11.2022</a:t>
             </a:fld>
             <a:endParaRPr lang="ru-RU"/>
           </a:p>
@@ -2361,10 +2349,9 @@
           </a:lstStyle>
           <a:p>
             <a:r>
-              <a:rPr lang="ru-RU" smtClean="0"/>
+              <a:rPr lang="ru-RU"/>
               <a:t>Образец заголовка</a:t>
             </a:r>
-            <a:endParaRPr lang="ru-RU"/>
           </a:p>
         </p:txBody>
       </p:sp>
@@ -2418,38 +2405,37 @@
           <a:p>
             <a:pPr lvl="0"/>
             <a:r>
-              <a:rPr lang="ru-RU" smtClean="0"/>
+              <a:rPr lang="ru-RU"/>
               <a:t>Образец текста</a:t>
             </a:r>
           </a:p>
           <a:p>
             <a:pPr lvl="1"/>
             <a:r>
-              <a:rPr lang="ru-RU" smtClean="0"/>
+              <a:rPr lang="ru-RU"/>
               <a:t>Второй уровень</a:t>
             </a:r>
           </a:p>
           <a:p>
             <a:pPr lvl="2"/>
             <a:r>
-              <a:rPr lang="ru-RU" smtClean="0"/>
+              <a:rPr lang="ru-RU"/>
               <a:t>Третий уровень</a:t>
             </a:r>
           </a:p>
           <a:p>
             <a:pPr lvl="3"/>
             <a:r>
-              <a:rPr lang="ru-RU" smtClean="0"/>
+              <a:rPr lang="ru-RU"/>
               <a:t>Четвертый уровень</a:t>
             </a:r>
           </a:p>
           <a:p>
             <a:pPr lvl="4"/>
             <a:r>
-              <a:rPr lang="ru-RU" smtClean="0"/>
+              <a:rPr lang="ru-RU"/>
               <a:t>Пятый уровень</a:t>
             </a:r>
-            <a:endParaRPr lang="ru-RU"/>
           </a:p>
         </p:txBody>
       </p:sp>
@@ -2512,7 +2498,7 @@
           <a:p>
             <a:pPr lvl="0"/>
             <a:r>
-              <a:rPr lang="ru-RU" smtClean="0"/>
+              <a:rPr lang="ru-RU"/>
               <a:t>Образец текста</a:t>
             </a:r>
           </a:p>
@@ -2535,7 +2521,7 @@
           <a:p>
             <a:fld id="{71C9CFF3-BA64-4FD1-A70D-F96599EF2BB3}" type="datetimeFigureOut">
               <a:rPr lang="ru-RU" smtClean="0"/>
-              <a:t>19.11.2022</a:t>
+              <a:t>20.11.2022</a:t>
             </a:fld>
             <a:endParaRPr lang="ru-RU"/>
           </a:p>
@@ -2638,10 +2624,9 @@
           </a:lstStyle>
           <a:p>
             <a:r>
-              <a:rPr lang="ru-RU" smtClean="0"/>
+              <a:rPr lang="ru-RU"/>
               <a:t>Образец заголовка</a:t>
             </a:r>
-            <a:endParaRPr lang="ru-RU"/>
           </a:p>
         </p:txBody>
       </p:sp>
@@ -2765,7 +2750,7 @@
           <a:p>
             <a:pPr lvl="0"/>
             <a:r>
-              <a:rPr lang="ru-RU" smtClean="0"/>
+              <a:rPr lang="ru-RU"/>
               <a:t>Образец текста</a:t>
             </a:r>
           </a:p>
@@ -2788,7 +2773,7 @@
           <a:p>
             <a:fld id="{71C9CFF3-BA64-4FD1-A70D-F96599EF2BB3}" type="datetimeFigureOut">
               <a:rPr lang="ru-RU" smtClean="0"/>
-              <a:t>19.11.2022</a:t>
+              <a:t>20.11.2022</a:t>
             </a:fld>
             <a:endParaRPr lang="ru-RU"/>
           </a:p>
@@ -2897,10 +2882,9 @@
           <a:lstStyle/>
           <a:p>
             <a:r>
-              <a:rPr lang="ru-RU" smtClean="0"/>
+              <a:rPr lang="ru-RU"/>
               <a:t>Образец заголовка</a:t>
             </a:r>
-            <a:endParaRPr lang="ru-RU"/>
           </a:p>
         </p:txBody>
       </p:sp>
@@ -2931,38 +2915,37 @@
           <a:p>
             <a:pPr lvl="0"/>
             <a:r>
-              <a:rPr lang="ru-RU" smtClean="0"/>
+              <a:rPr lang="ru-RU"/>
               <a:t>Образец текста</a:t>
             </a:r>
           </a:p>
           <a:p>
             <a:pPr lvl="1"/>
             <a:r>
-              <a:rPr lang="ru-RU" smtClean="0"/>
+              <a:rPr lang="ru-RU"/>
               <a:t>Второй уровень</a:t>
             </a:r>
           </a:p>
           <a:p>
             <a:pPr lvl="2"/>
             <a:r>
-              <a:rPr lang="ru-RU" smtClean="0"/>
+              <a:rPr lang="ru-RU"/>
               <a:t>Третий уровень</a:t>
             </a:r>
           </a:p>
           <a:p>
             <a:pPr lvl="3"/>
             <a:r>
-              <a:rPr lang="ru-RU" smtClean="0"/>
+              <a:rPr lang="ru-RU"/>
               <a:t>Четвертый уровень</a:t>
             </a:r>
           </a:p>
           <a:p>
             <a:pPr lvl="4"/>
             <a:r>
-              <a:rPr lang="ru-RU" smtClean="0"/>
+              <a:rPr lang="ru-RU"/>
               <a:t>Пятый уровень</a:t>
             </a:r>
-            <a:endParaRPr lang="ru-RU"/>
           </a:p>
         </p:txBody>
       </p:sp>
@@ -3001,7 +2984,7 @@
           <a:p>
             <a:fld id="{71C9CFF3-BA64-4FD1-A70D-F96599EF2BB3}" type="datetimeFigureOut">
               <a:rPr lang="ru-RU" smtClean="0"/>
-              <a:t>19.11.2022</a:t>
+              <a:t>20.11.2022</a:t>
             </a:fld>
             <a:endParaRPr lang="ru-RU"/>
           </a:p>
@@ -3597,7 +3580,7 @@
                         <a:defRPr/>
                       </a:pPr>
                       <a:r>
-                        <a:rPr lang="ru-RU" sz="2800" cap="none" spc="50" dirty="0" smtClean="0">
+                        <a:rPr lang="ru-RU" sz="2800" cap="none" spc="50" dirty="0">
                           <a:ln w="0"/>
                           <a:solidFill>
                             <a:schemeClr val="bg1"/>
@@ -3613,7 +3596,7 @@
                         <a:t>@-@</a:t>
                       </a:r>
                       <a:r>
-                        <a:rPr lang="en-US" sz="2800" cap="none" spc="50" dirty="0" err="1" smtClean="0">
+                        <a:rPr lang="en-US" sz="2800" cap="none" spc="50" dirty="0" err="1">
                           <a:ln w="0"/>
                           <a:solidFill>
                             <a:schemeClr val="bg1"/>
@@ -3629,7 +3612,7 @@
                         <a:t>productTitle</a:t>
                       </a:r>
                       <a:r>
-                        <a:rPr lang="ru-RU" sz="2800" cap="none" spc="50" dirty="0" smtClean="0">
+                        <a:rPr lang="ru-RU" sz="2800" cap="none" spc="50" dirty="0">
                           <a:ln w="0"/>
                           <a:solidFill>
                             <a:schemeClr val="bg1"/>
@@ -3800,7 +3783,7 @@
                         <a:defRPr/>
                       </a:pPr>
                       <a:r>
-                        <a:rPr lang="ru-RU" cap="none" spc="50" dirty="0" smtClean="0">
+                        <a:rPr lang="ru-RU" cap="none" spc="50" dirty="0">
                           <a:ln w="0"/>
                           <a:solidFill>
                             <a:schemeClr val="bg1"/>
@@ -3816,7 +3799,7 @@
                         <a:t>@-@</a:t>
                       </a:r>
                       <a:r>
-                        <a:rPr lang="en-US" cap="none" spc="50" dirty="0" smtClean="0">
+                        <a:rPr lang="en-US" cap="none" spc="50" dirty="0">
                           <a:ln w="0"/>
                           <a:solidFill>
                             <a:schemeClr val="bg1"/>
@@ -3832,7 +3815,7 @@
                         <a:t>product</a:t>
                       </a:r>
                       <a:r>
-                        <a:rPr lang="ru-RU" cap="none" spc="50" dirty="0" smtClean="0">
+                        <a:rPr lang="ru-RU" cap="none" spc="50" dirty="0">
                           <a:ln w="0"/>
                           <a:solidFill>
                             <a:schemeClr val="bg1"/>
@@ -3847,7 +3830,7 @@
                         </a:rPr>
                         <a:t>@-@</a:t>
                       </a:r>
-                      <a:endParaRPr lang="ru-RU" b="1" cap="none" spc="50" dirty="0" smtClean="0">
+                      <a:endParaRPr lang="ru-RU" b="1" cap="none" spc="50" dirty="0">
                         <a:ln w="0"/>
                         <a:solidFill>
                           <a:schemeClr val="bg1"/>
@@ -3968,7 +3951,7 @@
                     </a:lstStyle>
                     <a:p>
                       <a:r>
-                        <a:rPr lang="en-US" cap="none" spc="50" dirty="0" smtClean="0">
+                        <a:rPr lang="en-US" cap="none" spc="50" dirty="0">
                           <a:ln w="0"/>
                           <a:solidFill>
                             <a:schemeClr val="bg1"/>
@@ -3984,7 +3967,7 @@
                         <a:t>@-@</a:t>
                       </a:r>
                       <a:r>
-                        <a:rPr lang="en-US" cap="none" spc="50" dirty="0" err="1" smtClean="0">
+                        <a:rPr lang="en-US" cap="none" spc="50" dirty="0" err="1">
                           <a:ln w="0"/>
                           <a:solidFill>
                             <a:schemeClr val="bg1"/>
@@ -4000,7 +3983,7 @@
                         <a:t>productPhoto</a:t>
                       </a:r>
                       <a:r>
-                        <a:rPr lang="en-US" cap="none" spc="50" dirty="0" smtClean="0">
+                        <a:rPr lang="en-US" cap="none" spc="50" dirty="0">
                           <a:ln w="0"/>
                           <a:solidFill>
                             <a:schemeClr val="bg1"/>
@@ -4159,7 +4142,7 @@
                         <a:defRPr/>
                       </a:pPr>
                       <a:r>
-                        <a:rPr lang="ru-RU" cap="none" spc="50" dirty="0" smtClean="0">
+                        <a:rPr lang="ru-RU" cap="none" spc="50" dirty="0">
                           <a:ln w="0"/>
                           <a:solidFill>
                             <a:schemeClr val="bg1"/>
@@ -4175,7 +4158,7 @@
                         <a:t>@-@</a:t>
                       </a:r>
                       <a:r>
-                        <a:rPr lang="en-US" cap="none" spc="50" dirty="0" smtClean="0">
+                        <a:rPr lang="en-US" cap="none" spc="50" dirty="0">
                           <a:ln w="0"/>
                           <a:solidFill>
                             <a:schemeClr val="bg1"/>
@@ -4191,7 +4174,7 @@
                         <a:t>technology</a:t>
                       </a:r>
                       <a:r>
-                        <a:rPr lang="ru-RU" cap="none" spc="50" dirty="0" smtClean="0">
+                        <a:rPr lang="ru-RU" cap="none" spc="50" dirty="0">
                           <a:ln w="0"/>
                           <a:solidFill>
                             <a:schemeClr val="bg1"/>
@@ -4279,13 +4262,6 @@
   <p:clrMapOvr>
     <a:masterClrMapping/>
   </p:clrMapOvr>
-  <p:timing>
-    <p:tnLst>
-      <p:par>
-        <p:cTn id="1" dur="indefinite" restart="never" nodeType="tmRoot"/>
-      </p:par>
-    </p:tnLst>
-  </p:timing>
 </p:sld>
 </file>
 
@@ -4351,7 +4327,7 @@
           <p:nvPr>
             <p:extLst>
               <p:ext uri="{D42A27DB-BD31-4B8C-83A1-F6EECF244321}">
-                <p14:modId xmlns:p14="http://schemas.microsoft.com/office/powerpoint/2010/main" val="3146984307"/>
+                <p14:modId xmlns:p14="http://schemas.microsoft.com/office/powerpoint/2010/main" val="3321978035"/>
               </p:ext>
             </p:extLst>
           </p:nvPr>
@@ -4389,7 +4365,17 @@
                     <a:lstStyle/>
                     <a:p>
                       <a:r>
-                        <a:rPr lang="en-US" dirty="0" smtClean="0"/>
+                        <a:rPr lang="ru-RU" sz="2400" dirty="0"/>
+                        <a:t>Какую проблему решает наш продукт</a:t>
+                      </a:r>
+                      <a:r>
+                        <a:rPr lang="en-US" sz="2400" dirty="0"/>
+                        <a:t>:</a:t>
+                      </a:r>
+                    </a:p>
+                    <a:p>
+                      <a:r>
+                        <a:rPr lang="en-US" dirty="0"/>
                         <a:t>@-@need@-@</a:t>
                       </a:r>
                       <a:endParaRPr lang="ru-RU" dirty="0"/>
@@ -4403,7 +4389,18 @@
                     <a:lstStyle/>
                     <a:p>
                       <a:r>
-                        <a:rPr lang="en-US" dirty="0" smtClean="0"/>
+                        <a:rPr lang="ru-RU" sz="2400" dirty="0"/>
+                        <a:t>Рынок</a:t>
+                      </a:r>
+                      <a:r>
+                        <a:rPr lang="en-US" sz="2400" dirty="0"/>
+                        <a:t>:</a:t>
+                      </a:r>
+                      <a:endParaRPr lang="ru-RU" sz="2400" dirty="0"/>
+                    </a:p>
+                    <a:p>
+                      <a:r>
+                        <a:rPr lang="en-US" dirty="0"/>
                         <a:t>@-@market@-@</a:t>
                       </a:r>
                       <a:endParaRPr lang="ru-RU" dirty="0"/>
@@ -4479,13 +4476,6 @@
   <p:clrMapOvr>
     <a:masterClrMapping/>
   </p:clrMapOvr>
-  <p:timing>
-    <p:tnLst>
-      <p:par>
-        <p:cTn id="1" dur="indefinite" restart="never" nodeType="tmRoot"/>
-      </p:par>
-    </p:tnLst>
-  </p:timing>
 </p:sld>
 </file>
 
@@ -4538,7 +4528,7 @@
           <p:nvPr>
             <p:extLst>
               <p:ext uri="{D42A27DB-BD31-4B8C-83A1-F6EECF244321}">
-                <p14:modId xmlns:p14="http://schemas.microsoft.com/office/powerpoint/2010/main" val="2088908263"/>
+                <p14:modId xmlns:p14="http://schemas.microsoft.com/office/powerpoint/2010/main" val="4247053390"/>
               </p:ext>
             </p:extLst>
           </p:nvPr>
@@ -4569,7 +4559,17 @@
                     <a:lstStyle/>
                     <a:p>
                       <a:r>
-                        <a:rPr lang="en-US" dirty="0" smtClean="0"/>
+                        <a:rPr lang="ru-RU" sz="2800" dirty="0"/>
+                        <a:t>Конкуренция</a:t>
+                      </a:r>
+                      <a:r>
+                        <a:rPr lang="en-US" sz="2800" dirty="0"/>
+                        <a:t>:</a:t>
+                      </a:r>
+                    </a:p>
+                    <a:p>
+                      <a:r>
+                        <a:rPr lang="en-US" dirty="0"/>
                         <a:t>@-@competitors@-@</a:t>
                       </a:r>
                       <a:endParaRPr lang="ru-RU" dirty="0"/>
@@ -4597,13 +4597,6 @@
   <p:clrMapOvr>
     <a:masterClrMapping/>
   </p:clrMapOvr>
-  <p:timing>
-    <p:tnLst>
-      <p:par>
-        <p:cTn id="1" dur="indefinite" restart="never" nodeType="tmRoot"/>
-      </p:par>
-    </p:tnLst>
-  </p:timing>
 </p:sld>
 </file>
 
@@ -4728,14 +4721,14 @@
           <p:nvPr>
             <p:extLst>
               <p:ext uri="{D42A27DB-BD31-4B8C-83A1-F6EECF244321}">
-                <p14:modId xmlns:p14="http://schemas.microsoft.com/office/powerpoint/2010/main" val="2576692919"/>
+                <p14:modId xmlns:p14="http://schemas.microsoft.com/office/powerpoint/2010/main" val="780691633"/>
               </p:ext>
             </p:extLst>
           </p:nvPr>
         </p:nvGraphicFramePr>
         <p:xfrm>
           <a:off x="398980" y="1113912"/>
-          <a:ext cx="11394039" cy="5348534"/>
+          <a:ext cx="11394039" cy="5088431"/>
         </p:xfrm>
         <a:graphic>
           <a:graphicData uri="http://schemas.openxmlformats.org/drawingml/2006/table">
@@ -4766,14 +4759,45 @@
                   </a:extLst>
                 </a:gridCol>
               </a:tblGrid>
-              <a:tr h="5348534">
-                <a:tc>
+              <a:tr h="1886445">
+                <a:tc rowSpan="2">
                   <a:txBody>
                     <a:bodyPr/>
                     <a:lstStyle/>
                     <a:p>
                       <a:r>
-                        <a:rPr lang="en-US" dirty="0" smtClean="0">
+                        <a:rPr lang="ru-RU" dirty="0">
+                          <a:solidFill>
+                            <a:schemeClr val="bg1"/>
+                          </a:solidFill>
+                        </a:rPr>
+                        <a:t>Выручка</a:t>
+                      </a:r>
+                      <a:r>
+                        <a:rPr lang="ru-RU" baseline="0" dirty="0">
+                          <a:solidFill>
+                            <a:schemeClr val="bg1"/>
+                          </a:solidFill>
+                        </a:rPr>
+                        <a:t> за предыдущие периоды</a:t>
+                      </a:r>
+                      <a:r>
+                        <a:rPr lang="en-US" baseline="0" dirty="0">
+                          <a:solidFill>
+                            <a:schemeClr val="bg1"/>
+                          </a:solidFill>
+                        </a:rPr>
+                        <a:t>:</a:t>
+                      </a:r>
+                      <a:endParaRPr lang="en-US" dirty="0">
+                        <a:solidFill>
+                          <a:schemeClr val="bg1"/>
+                        </a:solidFill>
+                      </a:endParaRPr>
+                    </a:p>
+                    <a:p>
+                      <a:r>
+                        <a:rPr lang="en-US" dirty="0">
                           <a:solidFill>
                             <a:schemeClr val="bg1"/>
                           </a:solidFill>
@@ -4791,13 +4815,31 @@
                   </a:txBody>
                   <a:tcPr/>
                 </a:tc>
-                <a:tc>
+                <a:tc rowSpan="2">
                   <a:txBody>
                     <a:bodyPr/>
                     <a:lstStyle/>
                     <a:p>
                       <a:r>
-                        <a:rPr lang="en-US" dirty="0" smtClean="0">
+                        <a:rPr lang="ru-RU" dirty="0">
+                          <a:solidFill>
+                            <a:schemeClr val="bg1"/>
+                          </a:solidFill>
+                        </a:rPr>
+                        <a:t>Прибыль</a:t>
+                      </a:r>
+                      <a:r>
+                        <a:rPr lang="en-US" dirty="0">
+                          <a:solidFill>
+                            <a:schemeClr val="bg1"/>
+                          </a:solidFill>
+                        </a:rPr>
+                        <a:t>:</a:t>
+                      </a:r>
+                    </a:p>
+                    <a:p>
+                      <a:r>
+                        <a:rPr lang="en-US" dirty="0">
                           <a:solidFill>
                             <a:schemeClr val="bg1"/>
                           </a:solidFill>
@@ -4821,7 +4863,25 @@
                     <a:lstStyle/>
                     <a:p>
                       <a:r>
-                        <a:rPr lang="en-US" dirty="0" smtClean="0">
+                        <a:rPr lang="ru-RU" dirty="0">
+                          <a:solidFill>
+                            <a:schemeClr val="bg1"/>
+                          </a:solidFill>
+                        </a:rPr>
+                        <a:t>Потенциал роста</a:t>
+                      </a:r>
+                      <a:r>
+                        <a:rPr lang="en-US" dirty="0">
+                          <a:solidFill>
+                            <a:schemeClr val="bg1"/>
+                          </a:solidFill>
+                        </a:rPr>
+                        <a:t>:</a:t>
+                      </a:r>
+                    </a:p>
+                    <a:p>
+                      <a:r>
+                        <a:rPr lang="en-US" dirty="0">
                           <a:solidFill>
                             <a:schemeClr val="bg1"/>
                           </a:solidFill>
@@ -4829,7 +4889,7 @@
                         <a:t>@-@</a:t>
                       </a:r>
                       <a:r>
-                        <a:rPr lang="en-US" dirty="0" err="1" smtClean="0">
+                        <a:rPr lang="en-US" dirty="0" err="1">
                           <a:solidFill>
                             <a:schemeClr val="bg1"/>
                           </a:solidFill>
@@ -4837,7 +4897,7 @@
                         <a:t>growthPotential</a:t>
                       </a:r>
                       <a:r>
-                        <a:rPr lang="en-US" dirty="0" smtClean="0">
+                        <a:rPr lang="en-US" dirty="0">
                           <a:solidFill>
                             <a:schemeClr val="bg1"/>
                           </a:solidFill>
@@ -4856,6 +4916,95 @@
                 <a:extLst>
                   <a:ext uri="{0D108BD9-81ED-4DB2-BD59-A6C34878D82A}">
                     <a16:rowId xmlns:a16="http://schemas.microsoft.com/office/drawing/2014/main" val="811173407"/>
+                  </a:ext>
+                </a:extLst>
+              </a:tr>
+              <a:tr h="3201986">
+                <a:tc vMerge="1">
+                  <a:txBody>
+                    <a:bodyPr/>
+                    <a:lstStyle/>
+                    <a:p>
+                      <a:endParaRPr lang="ru-RU"/>
+                    </a:p>
+                  </a:txBody>
+                  <a:tcPr/>
+                </a:tc>
+                <a:tc vMerge="1">
+                  <a:txBody>
+                    <a:bodyPr/>
+                    <a:lstStyle/>
+                    <a:p>
+                      <a:endParaRPr lang="ru-RU"/>
+                    </a:p>
+                  </a:txBody>
+                  <a:tcPr/>
+                </a:tc>
+                <a:tc>
+                  <a:txBody>
+                    <a:bodyPr/>
+                    <a:lstStyle/>
+                    <a:p>
+                      <a:pPr marL="0" marR="0" lvl="0" indent="0" algn="l" defTabSz="914400" rtl="0" eaLnBrk="1" fontAlgn="auto" latinLnBrk="0" hangingPunct="1">
+                        <a:lnSpc>
+                          <a:spcPct val="100000"/>
+                        </a:lnSpc>
+                        <a:spcBef>
+                          <a:spcPts val="0"/>
+                        </a:spcBef>
+                        <a:spcAft>
+                          <a:spcPts val="0"/>
+                        </a:spcAft>
+                        <a:buClrTx/>
+                        <a:buSzTx/>
+                        <a:buFontTx/>
+                        <a:buNone/>
+                        <a:tabLst/>
+                        <a:defRPr/>
+                      </a:pPr>
+                      <a:r>
+                        <a:rPr lang="en-US" dirty="0">
+                          <a:solidFill>
+                            <a:schemeClr val="bg1"/>
+                          </a:solidFill>
+                        </a:rPr>
+                        <a:t>@-@</a:t>
+                      </a:r>
+                      <a:r>
+                        <a:rPr lang="en-US" dirty="0" err="1">
+                          <a:solidFill>
+                            <a:schemeClr val="bg1"/>
+                          </a:solidFill>
+                        </a:rPr>
+                        <a:t>growthPotentialGraffic</a:t>
+                      </a:r>
+                      <a:r>
+                        <a:rPr lang="en-US" dirty="0">
+                          <a:solidFill>
+                            <a:schemeClr val="bg1"/>
+                          </a:solidFill>
+                        </a:rPr>
+                        <a:t>@-@</a:t>
+                      </a:r>
+                      <a:endParaRPr lang="ru-RU" dirty="0">
+                        <a:solidFill>
+                          <a:schemeClr val="bg1"/>
+                        </a:solidFill>
+                      </a:endParaRPr>
+                    </a:p>
+                    <a:p>
+                      <a:endParaRPr lang="ru-RU" dirty="0">
+                        <a:solidFill>
+                          <a:schemeClr val="bg1"/>
+                        </a:solidFill>
+                      </a:endParaRPr>
+                    </a:p>
+                  </a:txBody>
+                  <a:tcPr/>
+                </a:tc>
+                <a:extLst>
+                  <a:ext uri="{0D108BD9-81ED-4DB2-BD59-A6C34878D82A}">
+                    <a16:rowId xmlns:a16="http://schemas.microsoft.com/office/drawing/2014/main" val="849464248"/>
                   </a:ext>
                 </a:extLst>
               </a:tr>
@@ -4897,13 +5046,6 @@
   <p:clrMapOvr>
     <a:masterClrMapping/>
   </p:clrMapOvr>
-  <p:timing>
-    <p:tnLst>
-      <p:par>
-        <p:cTn id="1" dur="indefinite" restart="never" nodeType="tmRoot"/>
-      </p:par>
-    </p:tnLst>
-  </p:timing>
 </p:sld>
 </file>
 
@@ -4926,7 +5068,7 @@
       </p:grpSpPr>
       <p:pic>
         <p:nvPicPr>
-          <p:cNvPr id="7" name="Рисунок 6"/>
+          <p:cNvPr id="4" name="Рисунок 3"/>
           <p:cNvPicPr>
             <a:picLocks noChangeAspect="1"/>
           </p:cNvPicPr>
@@ -4934,13 +5076,13 @@
         </p:nvPicPr>
         <p:blipFill rotWithShape="1">
           <a:blip r:embed="rId2"/>
-          <a:srcRect l="21529" t="15815" r="6553" b="12953"/>
+          <a:srcRect l="21256" t="15327" r="6552" b="12831"/>
           <a:stretch/>
         </p:blipFill>
         <p:spPr>
           <a:xfrm>
-            <a:off x="1" y="0"/>
-            <a:ext cx="12192000" cy="6858000"/>
+            <a:off x="-19878" y="-11181"/>
+            <a:ext cx="12211878" cy="6869181"/>
           </a:xfrm>
           <a:prstGeom prst="rect">
             <a:avLst/>
@@ -4949,22 +5091,21 @@
       </p:pic>
       <p:graphicFrame>
         <p:nvGraphicFramePr>
-          <p:cNvPr id="4" name="Объект 3"/>
+          <p:cNvPr id="6" name="Таблица 5"/>
           <p:cNvGraphicFramePr>
             <a:graphicFrameLocks noGrp="1"/>
           </p:cNvGraphicFramePr>
           <p:nvPr>
-            <p:ph idx="1"/>
             <p:extLst>
               <p:ext uri="{D42A27DB-BD31-4B8C-83A1-F6EECF244321}">
-                <p14:modId xmlns:p14="http://schemas.microsoft.com/office/powerpoint/2010/main" val="2167383150"/>
+                <p14:modId xmlns:p14="http://schemas.microsoft.com/office/powerpoint/2010/main" val="1668356086"/>
               </p:ext>
             </p:extLst>
           </p:nvPr>
         </p:nvGraphicFramePr>
         <p:xfrm>
-          <a:off x="519830" y="1390389"/>
-          <a:ext cx="11152341" cy="5135670"/>
+          <a:off x="433137" y="582205"/>
+          <a:ext cx="10507579" cy="6523055"/>
         </p:xfrm>
         <a:graphic>
           <a:graphicData uri="http://schemas.openxmlformats.org/drawingml/2006/table">
@@ -4973,63 +5114,45 @@
                 <a:tableStyleId>{2D5ABB26-0587-4C30-8999-92F81FD0307C}</a:tableStyleId>
               </a:tblPr>
               <a:tblGrid>
-                <a:gridCol w="3717447">
+                <a:gridCol w="1061786">
                   <a:extLst>
                     <a:ext uri="{9D8B030D-6E8A-4147-A177-3AD203B41FA5}">
-                      <a16:colId xmlns:a16="http://schemas.microsoft.com/office/drawing/2014/main" val="4269451144"/>
+                      <a16:colId xmlns:a16="http://schemas.microsoft.com/office/drawing/2014/main" val="3381896012"/>
                     </a:ext>
                   </a:extLst>
                 </a:gridCol>
-                <a:gridCol w="3717447">
+                <a:gridCol w="9445793">
                   <a:extLst>
                     <a:ext uri="{9D8B030D-6E8A-4147-A177-3AD203B41FA5}">
-                      <a16:colId xmlns:a16="http://schemas.microsoft.com/office/drawing/2014/main" val="1705644474"/>
-                    </a:ext>
-                  </a:extLst>
-                </a:gridCol>
-                <a:gridCol w="3717447">
-                  <a:extLst>
-                    <a:ext uri="{9D8B030D-6E8A-4147-A177-3AD203B41FA5}">
-                      <a16:colId xmlns:a16="http://schemas.microsoft.com/office/drawing/2014/main" val="1351961809"/>
+                      <a16:colId xmlns:a16="http://schemas.microsoft.com/office/drawing/2014/main" val="682317271"/>
                     </a:ext>
                   </a:extLst>
                 </a:gridCol>
               </a:tblGrid>
-              <a:tr h="5135670">
+              <a:tr h="3668953">
                 <a:tc>
                   <a:txBody>
                     <a:bodyPr/>
                     <a:lstStyle/>
                     <a:p>
-                      <a:r>
-                        <a:rPr lang="en-US" dirty="0" smtClean="0">
-                          <a:solidFill>
-                            <a:schemeClr val="bg1"/>
-                          </a:solidFill>
-                        </a:rPr>
-                        <a:t>@-@</a:t>
-                      </a:r>
-                      <a:r>
-                        <a:rPr lang="en-US" dirty="0" err="1" smtClean="0">
-                          <a:solidFill>
-                            <a:schemeClr val="bg1"/>
-                          </a:solidFill>
-                        </a:rPr>
-                        <a:t>theAmountOfInvestment</a:t>
-                      </a:r>
-                      <a:r>
-                        <a:rPr lang="en-US" dirty="0" smtClean="0">
-                          <a:solidFill>
-                            <a:schemeClr val="bg1"/>
-                          </a:solidFill>
-                        </a:rPr>
-                        <a:t>@-@</a:t>
-                      </a:r>
-                      <a:endParaRPr lang="ru-RU" dirty="0">
-                        <a:solidFill>
-                          <a:schemeClr val="bg1"/>
-                        </a:solidFill>
-                      </a:endParaRPr>
+                      <a:pPr marL="0" marR="0" lvl="0" indent="0" algn="l" defTabSz="914400" rtl="0" eaLnBrk="1" fontAlgn="auto" latinLnBrk="0" hangingPunct="1">
+                        <a:lnSpc>
+                          <a:spcPct val="100000"/>
+                        </a:lnSpc>
+                        <a:spcBef>
+                          <a:spcPts val="0"/>
+                        </a:spcBef>
+                        <a:spcAft>
+                          <a:spcPts val="0"/>
+                        </a:spcAft>
+                        <a:buClrTx/>
+                        <a:buSzTx/>
+                        <a:buFontTx/>
+                        <a:buNone/>
+                        <a:tabLst/>
+                        <a:defRPr/>
+                      </a:pPr>
+                      <a:endParaRPr lang="en-US" dirty="0"/>
                     </a:p>
                   </a:txBody>
                   <a:tcPr/>
@@ -5039,48 +5162,120 @@
                     <a:bodyPr/>
                     <a:lstStyle/>
                     <a:p>
+                      <a:pPr marL="0" marR="0" lvl="0" indent="0" algn="l" defTabSz="914400" rtl="0" eaLnBrk="1" fontAlgn="auto" latinLnBrk="0" hangingPunct="1">
+                        <a:lnSpc>
+                          <a:spcPct val="100000"/>
+                        </a:lnSpc>
+                        <a:spcBef>
+                          <a:spcPts val="0"/>
+                        </a:spcBef>
+                        <a:spcAft>
+                          <a:spcPts val="0"/>
+                        </a:spcAft>
+                        <a:buClrTx/>
+                        <a:buSzTx/>
+                        <a:buFontTx/>
+                        <a:buNone/>
+                        <a:tabLst/>
+                        <a:defRPr/>
+                      </a:pPr>
                       <a:r>
-                        <a:rPr lang="en-US" dirty="0" smtClean="0">
-                          <a:solidFill>
-                            <a:schemeClr val="bg1"/>
-                          </a:solidFill>
-                        </a:rPr>
-                        <a:t>@-@part@-@</a:t>
+                        <a:rPr lang="en-US" dirty="0"/>
+                        <a:t>@-@</a:t>
                       </a:r>
-                      <a:endParaRPr lang="ru-RU" dirty="0">
-                        <a:solidFill>
-                          <a:schemeClr val="bg1"/>
-                        </a:solidFill>
-                      </a:endParaRPr>
+                      <a:r>
+                        <a:rPr lang="en-US" dirty="0" err="1"/>
+                        <a:t>teamPhoto</a:t>
+                      </a:r>
+                      <a:r>
+                        <a:rPr lang="en-US" dirty="0"/>
+                        <a:t>@-@</a:t>
+                      </a:r>
                     </a:p>
-                  </a:txBody>
-                  <a:tcPr/>
-                </a:tc>
-                <a:tc>
-                  <a:txBody>
-                    <a:bodyPr/>
-                    <a:lstStyle/>
                     <a:p>
-                      <a:r>
-                        <a:rPr lang="en-US" dirty="0" smtClean="0">
-                          <a:solidFill>
-                            <a:schemeClr val="bg1"/>
-                          </a:solidFill>
-                        </a:rPr>
-                        <a:t>@-@purpose@-@</a:t>
-                      </a:r>
-                      <a:endParaRPr lang="ru-RU" dirty="0">
-                        <a:solidFill>
-                          <a:schemeClr val="bg1"/>
-                        </a:solidFill>
-                      </a:endParaRPr>
+                      <a:pPr marL="0" marR="0" lvl="0" indent="0" algn="l" defTabSz="914400" rtl="0" eaLnBrk="1" fontAlgn="auto" latinLnBrk="0" hangingPunct="1">
+                        <a:lnSpc>
+                          <a:spcPct val="100000"/>
+                        </a:lnSpc>
+                        <a:spcBef>
+                          <a:spcPts val="0"/>
+                        </a:spcBef>
+                        <a:spcAft>
+                          <a:spcPts val="0"/>
+                        </a:spcAft>
+                        <a:buClrTx/>
+                        <a:buSzTx/>
+                        <a:buFontTx/>
+                        <a:buNone/>
+                        <a:tabLst/>
+                        <a:defRPr/>
+                      </a:pPr>
+                      <a:endParaRPr lang="en-US" dirty="0"/>
                     </a:p>
                   </a:txBody>
                   <a:tcPr/>
                 </a:tc>
                 <a:extLst>
                   <a:ext uri="{0D108BD9-81ED-4DB2-BD59-A6C34878D82A}">
-                    <a16:rowId xmlns:a16="http://schemas.microsoft.com/office/drawing/2014/main" val="756085123"/>
+                    <a16:rowId xmlns:a16="http://schemas.microsoft.com/office/drawing/2014/main" val="25055052"/>
+                  </a:ext>
+                </a:extLst>
+              </a:tr>
+              <a:tr h="2854102">
+                <a:tc gridSpan="2">
+                  <a:txBody>
+                    <a:bodyPr/>
+                    <a:lstStyle/>
+                    <a:p>
+                      <a:pPr marL="0" marR="0" lvl="0" indent="0" algn="l" defTabSz="914400" rtl="0" eaLnBrk="1" fontAlgn="auto" latinLnBrk="0" hangingPunct="1">
+                        <a:lnSpc>
+                          <a:spcPct val="100000"/>
+                        </a:lnSpc>
+                        <a:spcBef>
+                          <a:spcPts val="0"/>
+                        </a:spcBef>
+                        <a:spcAft>
+                          <a:spcPts val="0"/>
+                        </a:spcAft>
+                        <a:buClrTx/>
+                        <a:buSzTx/>
+                        <a:buFontTx/>
+                        <a:buNone/>
+                        <a:tabLst/>
+                        <a:defRPr/>
+                      </a:pPr>
+                      <a:r>
+                        <a:rPr lang="en-US" dirty="0"/>
+                        <a:t>@-@</a:t>
+                      </a:r>
+                      <a:r>
+                        <a:rPr lang="en-US" dirty="0" err="1"/>
+                        <a:t>teamDescription</a:t>
+                      </a:r>
+                      <a:r>
+                        <a:rPr lang="en-US" dirty="0"/>
+                        <a:t>@-@</a:t>
+                      </a:r>
+                    </a:p>
+                    <a:p>
+                      <a:endParaRPr lang="ru-RU" dirty="0"/>
+                    </a:p>
+                  </a:txBody>
+                  <a:tcPr/>
+                </a:tc>
+                <a:tc hMerge="1">
+                  <a:txBody>
+                    <a:bodyPr/>
+                    <a:lstStyle/>
+                    <a:p>
+                      <a:endParaRPr lang="ru-RU"/>
+                    </a:p>
+                  </a:txBody>
+                  <a:tcPr/>
+                </a:tc>
+                <a:extLst>
+                  <a:ext uri="{0D108BD9-81ED-4DB2-BD59-A6C34878D82A}">
+                    <a16:rowId xmlns:a16="http://schemas.microsoft.com/office/drawing/2014/main" val="3666881654"/>
                   </a:ext>
                 </a:extLst>
               </a:tr>
@@ -5091,20 +5286,13 @@
     </p:spTree>
     <p:extLst>
       <p:ext uri="{BB962C8B-B14F-4D97-AF65-F5344CB8AC3E}">
-        <p14:creationId xmlns:p14="http://schemas.microsoft.com/office/powerpoint/2010/main" val="1025038923"/>
+        <p14:creationId xmlns:p14="http://schemas.microsoft.com/office/powerpoint/2010/main" val="2639673054"/>
       </p:ext>
     </p:extLst>
   </p:cSld>
   <p:clrMapOvr>
     <a:masterClrMapping/>
   </p:clrMapOvr>
-  <p:timing>
-    <p:tnLst>
-      <p:par>
-        <p:cTn id="1" dur="indefinite" restart="never" nodeType="tmRoot"/>
-      </p:par>
-    </p:tnLst>
-  </p:timing>
 </p:sld>
 </file>
 
@@ -5157,14 +5345,14 @@
           <p:nvPr>
             <p:extLst>
               <p:ext uri="{D42A27DB-BD31-4B8C-83A1-F6EECF244321}">
-                <p14:modId xmlns:p14="http://schemas.microsoft.com/office/powerpoint/2010/main" val="645098979"/>
+                <p14:modId xmlns:p14="http://schemas.microsoft.com/office/powerpoint/2010/main" val="605509234"/>
               </p:ext>
             </p:extLst>
           </p:nvPr>
         </p:nvGraphicFramePr>
         <p:xfrm>
-          <a:off x="1578665" y="582205"/>
-          <a:ext cx="9014791" cy="5682407"/>
+          <a:off x="433137" y="582205"/>
+          <a:ext cx="10507579" cy="6523055"/>
         </p:xfrm>
         <a:graphic>
           <a:graphicData uri="http://schemas.openxmlformats.org/drawingml/2006/table">
@@ -5173,32 +5361,124 @@
                 <a:tableStyleId>{2D5ABB26-0587-4C30-8999-92F81FD0307C}</a:tableStyleId>
               </a:tblPr>
               <a:tblGrid>
-                <a:gridCol w="9014791">
+                <a:gridCol w="1061786">
                   <a:extLst>
                     <a:ext uri="{9D8B030D-6E8A-4147-A177-3AD203B41FA5}">
                       <a16:colId xmlns:a16="http://schemas.microsoft.com/office/drawing/2014/main" val="3381896012"/>
                     </a:ext>
                   </a:extLst>
                 </a:gridCol>
+                <a:gridCol w="9445793">
+                  <a:extLst>
+                    <a:ext uri="{9D8B030D-6E8A-4147-A177-3AD203B41FA5}">
+                      <a16:colId xmlns:a16="http://schemas.microsoft.com/office/drawing/2014/main" val="682317271"/>
+                    </a:ext>
+                  </a:extLst>
+                </a:gridCol>
               </a:tblGrid>
-              <a:tr h="2828305">
+              <a:tr h="3668953">
                 <a:tc>
                   <a:txBody>
                     <a:bodyPr/>
                     <a:lstStyle/>
                     <a:p>
+                      <a:pPr marL="0" marR="0" lvl="0" indent="0" algn="l" defTabSz="914400" rtl="0" eaLnBrk="1" fontAlgn="auto" latinLnBrk="0" hangingPunct="1">
+                        <a:lnSpc>
+                          <a:spcPct val="100000"/>
+                        </a:lnSpc>
+                        <a:spcBef>
+                          <a:spcPts val="0"/>
+                        </a:spcBef>
+                        <a:spcAft>
+                          <a:spcPts val="0"/>
+                        </a:spcAft>
+                        <a:buClrTx/>
+                        <a:buSzTx/>
+                        <a:buFontTx/>
+                        <a:buNone/>
+                        <a:tabLst/>
+                        <a:defRPr/>
+                      </a:pPr>
+                      <a:endParaRPr lang="en-US" dirty="0"/>
+                    </a:p>
+                  </a:txBody>
+                  <a:tcPr/>
+                </a:tc>
+                <a:tc>
+                  <a:txBody>
+                    <a:bodyPr/>
+                    <a:lstStyle/>
+                    <a:p>
+                      <a:pPr marL="0" marR="0" lvl="0" indent="0" algn="l" defTabSz="914400" rtl="0" eaLnBrk="1" fontAlgn="auto" latinLnBrk="0" hangingPunct="1">
+                        <a:lnSpc>
+                          <a:spcPct val="100000"/>
+                        </a:lnSpc>
+                        <a:spcBef>
+                          <a:spcPts val="0"/>
+                        </a:spcBef>
+                        <a:spcAft>
+                          <a:spcPts val="0"/>
+                        </a:spcAft>
+                        <a:buClrTx/>
+                        <a:buSzTx/>
+                        <a:buFontTx/>
+                        <a:buNone/>
+                        <a:tabLst/>
+                        <a:defRPr/>
+                      </a:pPr>
                       <a:r>
-                        <a:rPr lang="en-US" dirty="0" smtClean="0"/>
-                        <a:t>@-@</a:t>
+                        <a:rPr lang="ru-RU" dirty="0"/>
+                        <a:t>Контакты</a:t>
                       </a:r>
                       <a:r>
-                        <a:rPr lang="en-US" dirty="0" err="1" smtClean="0"/>
-                        <a:t>teamDescription</a:t>
+                        <a:rPr lang="en-US" dirty="0"/>
+                        <a:t>:</a:t>
                       </a:r>
+                      <a:endParaRPr lang="ru-RU" dirty="0"/>
+                    </a:p>
+                    <a:p>
+                      <a:pPr marL="0" marR="0" lvl="0" indent="0" algn="l" defTabSz="914400" rtl="0" eaLnBrk="1" fontAlgn="auto" latinLnBrk="0" hangingPunct="1">
+                        <a:lnSpc>
+                          <a:spcPct val="100000"/>
+                        </a:lnSpc>
+                        <a:spcBef>
+                          <a:spcPts val="0"/>
+                        </a:spcBef>
+                        <a:spcAft>
+                          <a:spcPts val="0"/>
+                        </a:spcAft>
+                        <a:buClrTx/>
+                        <a:buSzTx/>
+                        <a:buFontTx/>
+                        <a:buNone/>
+                        <a:tabLst/>
+                        <a:defRPr/>
+                      </a:pPr>
                       <a:r>
-                        <a:rPr lang="en-US" dirty="0" smtClean="0"/>
-                        <a:t>@-@</a:t>
+                        <a:rPr lang="en-US"/>
+                        <a:t>@-@contacts@-@</a:t>
                       </a:r>
+                      <a:endParaRPr lang="en-US" dirty="0"/>
+                    </a:p>
+                    <a:p>
+                      <a:pPr marL="0" marR="0" lvl="0" indent="0" algn="l" defTabSz="914400" rtl="0" eaLnBrk="1" fontAlgn="auto" latinLnBrk="0" hangingPunct="1">
+                        <a:lnSpc>
+                          <a:spcPct val="100000"/>
+                        </a:lnSpc>
+                        <a:spcBef>
+                          <a:spcPts val="0"/>
+                        </a:spcBef>
+                        <a:spcAft>
+                          <a:spcPts val="0"/>
+                        </a:spcAft>
+                        <a:buClrTx/>
+                        <a:buSzTx/>
+                        <a:buFontTx/>
+                        <a:buNone/>
+                        <a:tabLst/>
+                        <a:defRPr/>
+                      </a:pPr>
+                      <a:endParaRPr lang="en-US" dirty="0"/>
                     </a:p>
                   </a:txBody>
                   <a:tcPr/>
@@ -5210,26 +5490,22 @@
                 </a:extLst>
               </a:tr>
               <a:tr h="2854102">
-                <a:tc>
+                <a:tc gridSpan="2">
                   <a:txBody>
                     <a:bodyPr/>
                     <a:lstStyle/>
                     <a:p>
-                      <a:r>
-                        <a:rPr lang="en-US" dirty="0" smtClean="0"/>
-                        <a:t>@-@</a:t>
-                      </a:r>
-                      <a:r>
-                        <a:rPr lang="en-US" dirty="0" err="1" smtClean="0"/>
-                        <a:t>teamPhoto</a:t>
-                      </a:r>
-                      <a:r>
-                        <a:rPr lang="en-US" dirty="0" smtClean="0"/>
-                        <a:t>@-@</a:t>
-                      </a:r>
+                      <a:endParaRPr lang="ru-RU" dirty="0"/>
                     </a:p>
+                  </a:txBody>
+                  <a:tcPr/>
+                </a:tc>
+                <a:tc hMerge="1">
+                  <a:txBody>
+                    <a:bodyPr/>
+                    <a:lstStyle/>
                     <a:p>
-                      <a:endParaRPr lang="ru-RU" dirty="0"/>
+                      <a:endParaRPr lang="ru-RU"/>
                     </a:p>
                   </a:txBody>
                   <a:tcPr/>
@@ -5247,20 +5523,13 @@
     </p:spTree>
     <p:extLst>
       <p:ext uri="{BB962C8B-B14F-4D97-AF65-F5344CB8AC3E}">
-        <p14:creationId xmlns:p14="http://schemas.microsoft.com/office/powerpoint/2010/main" val="2639673054"/>
+        <p14:creationId xmlns:p14="http://schemas.microsoft.com/office/powerpoint/2010/main" val="3460808775"/>
       </p:ext>
     </p:extLst>
   </p:cSld>
   <p:clrMapOvr>
     <a:masterClrMapping/>
   </p:clrMapOvr>
-  <p:timing>
-    <p:tnLst>
-      <p:par>
-        <p:cTn id="1" dur="indefinite" restart="never" nodeType="tmRoot"/>
-      </p:par>
-    </p:tnLst>
-  </p:timing>
 </p:sld>
 </file>
 
